--- a/apresentacao.pptx
+++ b/apresentacao.pptx
@@ -11099,67 +11099,6 @@
           </a:prstGeom>
         </p:spPr>
       </p:pic>
-      <p:sp>
-        <p:nvSpPr>
-          <p:cNvPr id="19" name="Título 18">
-            <a:extLst>
-              <a:ext uri="{FF2B5EF4-FFF2-40B4-BE49-F238E27FC236}">
-                <a16:creationId xmlns:a16="http://schemas.microsoft.com/office/drawing/2014/main" id="{8B0DFF08-18BB-43F9-A874-5BC66B576EE2}"/>
-              </a:ext>
-            </a:extLst>
-          </p:cNvPr>
-          <p:cNvSpPr>
-            <a:spLocks noGrp="1"/>
-          </p:cNvSpPr>
-          <p:nvPr>
-            <p:ph type="title"/>
-          </p:nvPr>
-        </p:nvSpPr>
-        <p:spPr>
-          <a:xfrm>
-            <a:off x="428553" y="-2546"/>
-            <a:ext cx="9314227" cy="944973"/>
-          </a:xfrm>
-        </p:spPr>
-        <p:txBody>
-          <a:bodyPr rtlCol="0">
-            <a:normAutofit/>
-          </a:bodyPr>
-          <a:lstStyle/>
-          <a:p>
-            <a:pPr algn="ctr" rtl="0"/>
-            <a:r>
-              <a:rPr lang="en-US" sz="4000" dirty="0">
-                <a:solidFill>
-                  <a:schemeClr val="bg1"/>
-                </a:solidFill>
-              </a:rPr>
-              <a:t>Google </a:t>
-            </a:r>
-            <a:r>
-              <a:rPr lang="en-US" sz="4000" dirty="0" err="1">
-                <a:solidFill>
-                  <a:schemeClr val="bg1"/>
-                </a:solidFill>
-              </a:rPr>
-              <a:t>Colaboratory</a:t>
-            </a:r>
-            <a:r>
-              <a:rPr lang="en-US" sz="4000" dirty="0">
-                <a:solidFill>
-                  <a:schemeClr val="bg1"/>
-                </a:solidFill>
-              </a:rPr>
-              <a:t> – (Notebooks)</a:t>
-            </a:r>
-            <a:endParaRPr lang="pt-BR" sz="4000" dirty="0">
-              <a:solidFill>
-                <a:schemeClr val="bg1"/>
-              </a:solidFill>
-            </a:endParaRPr>
-          </a:p>
-        </p:txBody>
-      </p:sp>
       <p:pic>
         <p:nvPicPr>
           <p:cNvPr id="20" name="Imagem 19">
@@ -11577,6 +11516,67 @@
               <a:t>https://github.com/JefteLG/Twitter_Sentiment_Analysis</a:t>
             </a:r>
             <a:endParaRPr lang="pt-BR" dirty="0"/>
+          </a:p>
+        </p:txBody>
+      </p:sp>
+      <p:sp>
+        <p:nvSpPr>
+          <p:cNvPr id="19" name="Título 18">
+            <a:extLst>
+              <a:ext uri="{FF2B5EF4-FFF2-40B4-BE49-F238E27FC236}">
+                <a16:creationId xmlns:a16="http://schemas.microsoft.com/office/drawing/2014/main" id="{8B0DFF08-18BB-43F9-A874-5BC66B576EE2}"/>
+              </a:ext>
+            </a:extLst>
+          </p:cNvPr>
+          <p:cNvSpPr>
+            <a:spLocks noGrp="1"/>
+          </p:cNvSpPr>
+          <p:nvPr>
+            <p:ph type="title"/>
+          </p:nvPr>
+        </p:nvSpPr>
+        <p:spPr>
+          <a:xfrm>
+            <a:off x="428553" y="-2546"/>
+            <a:ext cx="9314227" cy="944973"/>
+          </a:xfrm>
+        </p:spPr>
+        <p:txBody>
+          <a:bodyPr rtlCol="0">
+            <a:normAutofit/>
+          </a:bodyPr>
+          <a:lstStyle/>
+          <a:p>
+            <a:pPr algn="ctr" rtl="0"/>
+            <a:r>
+              <a:rPr lang="en-US" sz="4000" dirty="0">
+                <a:solidFill>
+                  <a:schemeClr val="bg1"/>
+                </a:solidFill>
+              </a:rPr>
+              <a:t>Google </a:t>
+            </a:r>
+            <a:r>
+              <a:rPr lang="en-US" sz="4000" dirty="0" err="1">
+                <a:solidFill>
+                  <a:schemeClr val="bg1"/>
+                </a:solidFill>
+              </a:rPr>
+              <a:t>Colaboratory</a:t>
+            </a:r>
+            <a:r>
+              <a:rPr lang="en-US" sz="4000" dirty="0">
+                <a:solidFill>
+                  <a:schemeClr val="bg1"/>
+                </a:solidFill>
+              </a:rPr>
+              <a:t> – (Notebooks)</a:t>
+            </a:r>
+            <a:endParaRPr lang="pt-BR" sz="4000" dirty="0">
+              <a:solidFill>
+                <a:schemeClr val="bg1"/>
+              </a:solidFill>
+            </a:endParaRPr>
           </a:p>
         </p:txBody>
       </p:sp>
@@ -12987,14 +12987,14 @@
               <a:t> </a:t>
             </a:r>
             <a:r>
-              <a:rPr lang="pt-BR" sz="1600" dirty="0" err="1">
+              <a:rPr lang="pt-BR" sz="1600">
                 <a:solidFill>
                   <a:srgbClr val="24292E"/>
                 </a:solidFill>
                 <a:latin typeface="Arial" panose="020B0604020202020204" pitchFamily="34" charset="0"/>
                 <a:cs typeface="Arial" panose="020B0604020202020204" pitchFamily="34" charset="0"/>
               </a:rPr>
-              <a:t>Baye</a:t>
+              <a:t>Bayes</a:t>
             </a:r>
             <a:endParaRPr lang="pt-BR" sz="1600" dirty="0">
               <a:solidFill>
@@ -13417,7 +13417,7 @@
                 <a:latin typeface="Arial" panose="020B0604020202020204" pitchFamily="34" charset="0"/>
                 <a:cs typeface="Arial" panose="020B0604020202020204" pitchFamily="34" charset="0"/>
               </a:rPr>
-              <a:t>Baye</a:t>
+              <a:t>Bayes</a:t>
             </a:r>
             <a:endParaRPr lang="pt-BR" sz="1600" dirty="0">
               <a:solidFill>
